--- a/ApresentacaoRibas/prelimiar_jhonatan.pptx
+++ b/ApresentacaoRibas/prelimiar_jhonatan.pptx
@@ -112,6 +112,11 @@
       </a:defRPr>
     </a:lvl9pPr>
   </p:defaultTextStyle>
+  <p:extLst>
+    <p:ext uri="{EFAFB233-063F-42B5-8137-9DF3F51BA10A}">
+      <p15:sldGuideLst xmlns:p15="http://schemas.microsoft.com/office/powerpoint/2012/main"/>
+    </p:ext>
+  </p:extLst>
 </p:presentation>
 </file>
 
@@ -4332,7 +4337,7 @@
         </p:blipFill>
         <p:spPr>
           <a:xfrm>
-            <a:off x="1102360" y="2124073"/>
+            <a:off x="1091603" y="2091800"/>
             <a:ext cx="7568565" cy="2885761"/>
           </a:xfrm>
           <a:prstGeom prst="rect">
@@ -5221,7 +5226,9 @@
           </a:xfrm>
         </p:spPr>
         <p:txBody>
-          <a:bodyPr/>
+          <a:bodyPr>
+            <a:normAutofit fontScale="92500"/>
+          </a:bodyPr>
           <a:lstStyle/>
           <a:p>
             <a:r>
@@ -5235,7 +5242,13 @@
           <a:p>
             <a:r>
               <a:rPr lang="pt-BR" dirty="0"/>
-              <a:t>TIT: Reduz o tempo parado (Total </a:t>
+              <a:t>TIT: Reduz o tempo parado</a:t>
+            </a:r>
+          </a:p>
+          <a:p>
+            <a:r>
+              <a:rPr lang="pt-BR" dirty="0"/>
+              <a:t>(Total </a:t>
             </a:r>
             <a:r>
               <a:rPr lang="pt-BR" dirty="0" err="1"/>
@@ -5247,6 +5260,18 @@
             </a:r>
           </a:p>
           <a:p>
+            <a:endParaRPr lang="pt-BR" dirty="0"/>
+          </a:p>
+          <a:p>
+            <a:endParaRPr lang="pt-BR" dirty="0"/>
+          </a:p>
+          <a:p>
+            <a:endParaRPr lang="pt-BR" dirty="0"/>
+          </a:p>
+          <a:p>
+            <a:endParaRPr lang="pt-BR" dirty="0"/>
+          </a:p>
+          <a:p>
             <a:r>
               <a:rPr lang="pt-BR" dirty="0"/>
               <a:t>KK1: a posição escolhida depende dos fatores Ai e Bi.</a:t>
@@ -5269,6 +5294,36 @@
           </a:p>
         </p:txBody>
       </p:sp>
+      <p:pic>
+        <p:nvPicPr>
+          <p:cNvPr id="4" name="Picture 3">
+            <a:extLst>
+              <a:ext uri="{FF2B5EF4-FFF2-40B4-BE49-F238E27FC236}">
+                <a16:creationId xmlns:a16="http://schemas.microsoft.com/office/drawing/2014/main" id="{2492DAEC-87D5-42AF-A47C-28637B17B17F}"/>
+              </a:ext>
+            </a:extLst>
+          </p:cNvPr>
+          <p:cNvPicPr>
+            <a:picLocks noChangeAspect="1"/>
+          </p:cNvPicPr>
+          <p:nvPr/>
+        </p:nvPicPr>
+        <p:blipFill>
+          <a:blip r:embed="rId3"/>
+          <a:stretch>
+            <a:fillRect/>
+          </a:stretch>
+        </p:blipFill>
+        <p:spPr>
+          <a:xfrm>
+            <a:off x="4878295" y="2146933"/>
+            <a:ext cx="7568565" cy="2885761"/>
+          </a:xfrm>
+          <a:prstGeom prst="rect">
+            <a:avLst/>
+          </a:prstGeom>
+        </p:spPr>
+      </p:pic>
     </p:spTree>
     <p:extLst>
       <p:ext uri="{BB962C8B-B14F-4D97-AF65-F5344CB8AC3E}">
